--- a/Materialien/Powerpoint/Einführung in Unittesting.pptx
+++ b/Materialien/Powerpoint/Einführung in Unittesting.pptx
@@ -122,7 +122,7 @@
 <file path=ppt/revisionInfo.xml><?xml version="1.0" encoding="utf-8"?>
 <p1510:revInfo xmlns:a="http://schemas.openxmlformats.org/drawingml/2006/main" xmlns:r="http://schemas.openxmlformats.org/officeDocument/2006/relationships" xmlns:p1510="http://schemas.microsoft.com/office/powerpoint/2015/10/main">
   <p1510:revLst>
-    <p1510:client id="{8A101DD7-8FB9-4D7A-87E8-10D597B9AFFD}" v="1402" dt="2021-07-15T13:44:27.483"/>
+    <p1510:client id="{8A101DD7-8FB9-4D7A-87E8-10D597B9AFFD}" v="1403" dt="2021-07-20T19:39:15.153"/>
   </p1510:revLst>
 </p1510:revInfo>
 </file>
@@ -273,12 +273,12 @@
   <pc:docChgLst>
     <pc:chgData name="Sebastian Meine" userId="f54488a2a6b7dc9e" providerId="LiveId" clId="{8A101DD7-8FB9-4D7A-87E8-10D597B9AFFD}"/>
     <pc:docChg chg="undo redo custSel addSld delSld modSld">
-      <pc:chgData name="Sebastian Meine" userId="f54488a2a6b7dc9e" providerId="LiveId" clId="{8A101DD7-8FB9-4D7A-87E8-10D597B9AFFD}" dt="2021-07-15T13:44:27.483" v="1646" actId="20577"/>
+      <pc:chgData name="Sebastian Meine" userId="f54488a2a6b7dc9e" providerId="LiveId" clId="{8A101DD7-8FB9-4D7A-87E8-10D597B9AFFD}" dt="2021-07-20T19:39:34.708" v="1654"/>
       <pc:docMkLst>
         <pc:docMk/>
       </pc:docMkLst>
       <pc:sldChg chg="modSp mod modAnim">
-        <pc:chgData name="Sebastian Meine" userId="f54488a2a6b7dc9e" providerId="LiveId" clId="{8A101DD7-8FB9-4D7A-87E8-10D597B9AFFD}" dt="2021-07-15T13:38:05.574" v="1525" actId="313"/>
+        <pc:chgData name="Sebastian Meine" userId="f54488a2a6b7dc9e" providerId="LiveId" clId="{8A101DD7-8FB9-4D7A-87E8-10D597B9AFFD}" dt="2021-07-20T19:39:19.963" v="1648"/>
         <pc:sldMkLst>
           <pc:docMk/>
           <pc:sldMk cId="2109793123" sldId="258"/>
@@ -292,7 +292,7 @@
           </ac:spMkLst>
         </pc:spChg>
         <pc:spChg chg="mod">
-          <ac:chgData name="Sebastian Meine" userId="f54488a2a6b7dc9e" providerId="LiveId" clId="{8A101DD7-8FB9-4D7A-87E8-10D597B9AFFD}" dt="2021-07-15T13:15:44.130" v="604"/>
+          <ac:chgData name="Sebastian Meine" userId="f54488a2a6b7dc9e" providerId="LiveId" clId="{8A101DD7-8FB9-4D7A-87E8-10D597B9AFFD}" dt="2021-07-20T19:39:19.963" v="1648"/>
           <ac:spMkLst>
             <pc:docMk/>
             <pc:sldMk cId="2109793123" sldId="258"/>
@@ -315,13 +315,13 @@
         </pc:sldMkLst>
       </pc:sldChg>
       <pc:sldChg chg="modSp">
-        <pc:chgData name="Sebastian Meine" userId="f54488a2a6b7dc9e" providerId="LiveId" clId="{8A101DD7-8FB9-4D7A-87E8-10D597B9AFFD}" dt="2021-07-15T13:00:25.484" v="10" actId="20577"/>
+        <pc:chgData name="Sebastian Meine" userId="f54488a2a6b7dc9e" providerId="LiveId" clId="{8A101DD7-8FB9-4D7A-87E8-10D597B9AFFD}" dt="2021-07-20T19:39:15.153" v="1647" actId="6549"/>
         <pc:sldMkLst>
           <pc:docMk/>
           <pc:sldMk cId="3097966872" sldId="261"/>
         </pc:sldMkLst>
         <pc:spChg chg="mod">
-          <ac:chgData name="Sebastian Meine" userId="f54488a2a6b7dc9e" providerId="LiveId" clId="{8A101DD7-8FB9-4D7A-87E8-10D597B9AFFD}" dt="2021-07-15T13:00:25.484" v="10" actId="20577"/>
+          <ac:chgData name="Sebastian Meine" userId="f54488a2a6b7dc9e" providerId="LiveId" clId="{8A101DD7-8FB9-4D7A-87E8-10D597B9AFFD}" dt="2021-07-20T19:39:15.153" v="1647" actId="6549"/>
           <ac:spMkLst>
             <pc:docMk/>
             <pc:sldMk cId="3097966872" sldId="261"/>
@@ -330,7 +330,7 @@
         </pc:spChg>
       </pc:sldChg>
       <pc:sldChg chg="modSp mod modAnim">
-        <pc:chgData name="Sebastian Meine" userId="f54488a2a6b7dc9e" providerId="LiveId" clId="{8A101DD7-8FB9-4D7A-87E8-10D597B9AFFD}" dt="2021-07-15T13:16:54.021" v="616" actId="313"/>
+        <pc:chgData name="Sebastian Meine" userId="f54488a2a6b7dc9e" providerId="LiveId" clId="{8A101DD7-8FB9-4D7A-87E8-10D597B9AFFD}" dt="2021-07-20T19:39:22.132" v="1649"/>
         <pc:sldMkLst>
           <pc:docMk/>
           <pc:sldMk cId="362378951" sldId="263"/>
@@ -352,7 +352,7 @@
           </ac:spMkLst>
         </pc:spChg>
         <pc:spChg chg="mod">
-          <ac:chgData name="Sebastian Meine" userId="f54488a2a6b7dc9e" providerId="LiveId" clId="{8A101DD7-8FB9-4D7A-87E8-10D597B9AFFD}" dt="2021-07-15T13:16:50.869" v="615"/>
+          <ac:chgData name="Sebastian Meine" userId="f54488a2a6b7dc9e" providerId="LiveId" clId="{8A101DD7-8FB9-4D7A-87E8-10D597B9AFFD}" dt="2021-07-20T19:39:22.132" v="1649"/>
           <ac:spMkLst>
             <pc:docMk/>
             <pc:sldMk cId="362378951" sldId="263"/>
@@ -361,7 +361,7 @@
         </pc:spChg>
       </pc:sldChg>
       <pc:sldChg chg="addSp delSp modSp add mod modAnim">
-        <pc:chgData name="Sebastian Meine" userId="f54488a2a6b7dc9e" providerId="LiveId" clId="{8A101DD7-8FB9-4D7A-87E8-10D597B9AFFD}" dt="2021-07-15T13:36:18.967" v="1435"/>
+        <pc:chgData name="Sebastian Meine" userId="f54488a2a6b7dc9e" providerId="LiveId" clId="{8A101DD7-8FB9-4D7A-87E8-10D597B9AFFD}" dt="2021-07-20T19:39:24.139" v="1650"/>
         <pc:sldMkLst>
           <pc:docMk/>
           <pc:sldMk cId="301560968" sldId="264"/>
@@ -383,7 +383,7 @@
           </ac:spMkLst>
         </pc:spChg>
         <pc:spChg chg="mod">
-          <ac:chgData name="Sebastian Meine" userId="f54488a2a6b7dc9e" providerId="LiveId" clId="{8A101DD7-8FB9-4D7A-87E8-10D597B9AFFD}" dt="2021-07-15T13:26:15.230" v="940" actId="6549"/>
+          <ac:chgData name="Sebastian Meine" userId="f54488a2a6b7dc9e" providerId="LiveId" clId="{8A101DD7-8FB9-4D7A-87E8-10D597B9AFFD}" dt="2021-07-20T19:39:24.139" v="1650"/>
           <ac:spMkLst>
             <pc:docMk/>
             <pc:sldMk cId="301560968" sldId="264"/>
@@ -408,7 +408,7 @@
         </pc:spChg>
       </pc:sldChg>
       <pc:sldChg chg="modSp add mod modAnim">
-        <pc:chgData name="Sebastian Meine" userId="f54488a2a6b7dc9e" providerId="LiveId" clId="{8A101DD7-8FB9-4D7A-87E8-10D597B9AFFD}" dt="2021-07-15T13:36:27.206" v="1436"/>
+        <pc:chgData name="Sebastian Meine" userId="f54488a2a6b7dc9e" providerId="LiveId" clId="{8A101DD7-8FB9-4D7A-87E8-10D597B9AFFD}" dt="2021-07-20T19:39:26.884" v="1651"/>
         <pc:sldMkLst>
           <pc:docMk/>
           <pc:sldMk cId="2583088686" sldId="265"/>
@@ -422,7 +422,7 @@
           </ac:spMkLst>
         </pc:spChg>
         <pc:spChg chg="mod">
-          <ac:chgData name="Sebastian Meine" userId="f54488a2a6b7dc9e" providerId="LiveId" clId="{8A101DD7-8FB9-4D7A-87E8-10D597B9AFFD}" dt="2021-07-15T13:26:11.127" v="938" actId="20577"/>
+          <ac:chgData name="Sebastian Meine" userId="f54488a2a6b7dc9e" providerId="LiveId" clId="{8A101DD7-8FB9-4D7A-87E8-10D597B9AFFD}" dt="2021-07-20T19:39:26.884" v="1651"/>
           <ac:spMkLst>
             <pc:docMk/>
             <pc:sldMk cId="2583088686" sldId="265"/>
@@ -431,7 +431,7 @@
         </pc:spChg>
       </pc:sldChg>
       <pc:sldChg chg="modSp add mod addAnim delAnim modAnim">
-        <pc:chgData name="Sebastian Meine" userId="f54488a2a6b7dc9e" providerId="LiveId" clId="{8A101DD7-8FB9-4D7A-87E8-10D597B9AFFD}" dt="2021-07-15T13:44:27.483" v="1646" actId="20577"/>
+        <pc:chgData name="Sebastian Meine" userId="f54488a2a6b7dc9e" providerId="LiveId" clId="{8A101DD7-8FB9-4D7A-87E8-10D597B9AFFD}" dt="2021-07-20T19:39:29.683" v="1652"/>
         <pc:sldMkLst>
           <pc:docMk/>
           <pc:sldMk cId="4061852696" sldId="266"/>
@@ -453,7 +453,7 @@
           </ac:spMkLst>
         </pc:spChg>
         <pc:spChg chg="mod">
-          <ac:chgData name="Sebastian Meine" userId="f54488a2a6b7dc9e" providerId="LiveId" clId="{8A101DD7-8FB9-4D7A-87E8-10D597B9AFFD}" dt="2021-07-15T13:44:27.483" v="1646" actId="20577"/>
+          <ac:chgData name="Sebastian Meine" userId="f54488a2a6b7dc9e" providerId="LiveId" clId="{8A101DD7-8FB9-4D7A-87E8-10D597B9AFFD}" dt="2021-07-20T19:39:29.683" v="1652"/>
           <ac:spMkLst>
             <pc:docMk/>
             <pc:sldMk cId="4061852696" sldId="266"/>
@@ -470,7 +470,7 @@
         </pc:spChg>
       </pc:sldChg>
       <pc:sldChg chg="modSp add mod modAnim">
-        <pc:chgData name="Sebastian Meine" userId="f54488a2a6b7dc9e" providerId="LiveId" clId="{8A101DD7-8FB9-4D7A-87E8-10D597B9AFFD}" dt="2021-07-15T13:44:22.899" v="1645" actId="20577"/>
+        <pc:chgData name="Sebastian Meine" userId="f54488a2a6b7dc9e" providerId="LiveId" clId="{8A101DD7-8FB9-4D7A-87E8-10D597B9AFFD}" dt="2021-07-20T19:39:34.708" v="1654"/>
         <pc:sldMkLst>
           <pc:docMk/>
           <pc:sldMk cId="4132570687" sldId="267"/>
@@ -484,7 +484,7 @@
           </ac:spMkLst>
         </pc:spChg>
         <pc:spChg chg="mod">
-          <ac:chgData name="Sebastian Meine" userId="f54488a2a6b7dc9e" providerId="LiveId" clId="{8A101DD7-8FB9-4D7A-87E8-10D597B9AFFD}" dt="2021-07-15T13:44:22.899" v="1645" actId="20577"/>
+          <ac:chgData name="Sebastian Meine" userId="f54488a2a6b7dc9e" providerId="LiveId" clId="{8A101DD7-8FB9-4D7A-87E8-10D597B9AFFD}" dt="2021-07-20T19:39:34.708" v="1654"/>
           <ac:spMkLst>
             <pc:docMk/>
             <pc:sldMk cId="4132570687" sldId="267"/>
@@ -493,7 +493,7 @@
         </pc:spChg>
       </pc:sldChg>
       <pc:sldChg chg="modSp add mod modAnim">
-        <pc:chgData name="Sebastian Meine" userId="f54488a2a6b7dc9e" providerId="LiveId" clId="{8A101DD7-8FB9-4D7A-87E8-10D597B9AFFD}" dt="2021-07-15T13:44:19.083" v="1644" actId="20577"/>
+        <pc:chgData name="Sebastian Meine" userId="f54488a2a6b7dc9e" providerId="LiveId" clId="{8A101DD7-8FB9-4D7A-87E8-10D597B9AFFD}" dt="2021-07-20T19:39:32.124" v="1653"/>
         <pc:sldMkLst>
           <pc:docMk/>
           <pc:sldMk cId="3832127478" sldId="268"/>
@@ -507,7 +507,7 @@
           </ac:spMkLst>
         </pc:spChg>
         <pc:spChg chg="mod">
-          <ac:chgData name="Sebastian Meine" userId="f54488a2a6b7dc9e" providerId="LiveId" clId="{8A101DD7-8FB9-4D7A-87E8-10D597B9AFFD}" dt="2021-07-15T13:44:19.083" v="1644" actId="20577"/>
+          <ac:chgData name="Sebastian Meine" userId="f54488a2a6b7dc9e" providerId="LiveId" clId="{8A101DD7-8FB9-4D7A-87E8-10D597B9AFFD}" dt="2021-07-20T19:39:32.124" v="1653"/>
           <ac:spMkLst>
             <pc:docMk/>
             <pc:sldMk cId="3832127478" sldId="268"/>
@@ -1120,7 +1120,7 @@
           <a:p>
             <a:fld id="{D4AD37E9-5A10-49A7-855D-CAA2D2E848B6}" type="datetimeFigureOut">
               <a:rPr lang="de-DE" smtClean="0"/>
-              <a:t>15.07.2021</a:t>
+              <a:t>20.07.2021</a:t>
             </a:fld>
             <a:endParaRPr lang="de-DE"/>
           </a:p>
@@ -1401,7 +1401,7 @@
           <a:p>
             <a:fld id="{D4AD37E9-5A10-49A7-855D-CAA2D2E848B6}" type="datetimeFigureOut">
               <a:rPr lang="de-DE" smtClean="0"/>
-              <a:t>15.07.2021</a:t>
+              <a:t>20.07.2021</a:t>
             </a:fld>
             <a:endParaRPr lang="de-DE"/>
           </a:p>
@@ -1593,7 +1593,7 @@
           <a:p>
             <a:fld id="{D4AD37E9-5A10-49A7-855D-CAA2D2E848B6}" type="datetimeFigureOut">
               <a:rPr lang="de-DE" smtClean="0"/>
-              <a:t>15.07.2021</a:t>
+              <a:t>20.07.2021</a:t>
             </a:fld>
             <a:endParaRPr lang="de-DE"/>
           </a:p>
@@ -1854,7 +1854,7 @@
           <a:p>
             <a:fld id="{D4AD37E9-5A10-49A7-855D-CAA2D2E848B6}" type="datetimeFigureOut">
               <a:rPr lang="de-DE" smtClean="0"/>
-              <a:t>15.07.2021</a:t>
+              <a:t>20.07.2021</a:t>
             </a:fld>
             <a:endParaRPr lang="de-DE"/>
           </a:p>
@@ -2280,7 +2280,7 @@
           <a:p>
             <a:fld id="{D4AD37E9-5A10-49A7-855D-CAA2D2E848B6}" type="datetimeFigureOut">
               <a:rPr lang="de-DE" smtClean="0"/>
-              <a:t>15.07.2021</a:t>
+              <a:t>20.07.2021</a:t>
             </a:fld>
             <a:endParaRPr lang="de-DE"/>
           </a:p>
@@ -2826,7 +2826,7 @@
           <a:p>
             <a:fld id="{D4AD37E9-5A10-49A7-855D-CAA2D2E848B6}" type="datetimeFigureOut">
               <a:rPr lang="de-DE" smtClean="0"/>
-              <a:t>15.07.2021</a:t>
+              <a:t>20.07.2021</a:t>
             </a:fld>
             <a:endParaRPr lang="de-DE"/>
           </a:p>
@@ -3657,7 +3657,7 @@
           <a:p>
             <a:fld id="{D4AD37E9-5A10-49A7-855D-CAA2D2E848B6}" type="datetimeFigureOut">
               <a:rPr lang="de-DE" smtClean="0"/>
-              <a:t>15.07.2021</a:t>
+              <a:t>20.07.2021</a:t>
             </a:fld>
             <a:endParaRPr lang="de-DE"/>
           </a:p>
@@ -3827,7 +3827,7 @@
           <a:p>
             <a:fld id="{D4AD37E9-5A10-49A7-855D-CAA2D2E848B6}" type="datetimeFigureOut">
               <a:rPr lang="de-DE" smtClean="0"/>
-              <a:t>15.07.2021</a:t>
+              <a:t>20.07.2021</a:t>
             </a:fld>
             <a:endParaRPr lang="de-DE"/>
           </a:p>
@@ -4007,7 +4007,7 @@
           <a:p>
             <a:fld id="{D4AD37E9-5A10-49A7-855D-CAA2D2E848B6}" type="datetimeFigureOut">
               <a:rPr lang="de-DE" smtClean="0"/>
-              <a:t>15.07.2021</a:t>
+              <a:t>20.07.2021</a:t>
             </a:fld>
             <a:endParaRPr lang="de-DE"/>
           </a:p>
@@ -4177,7 +4177,7 @@
           <a:p>
             <a:fld id="{D4AD37E9-5A10-49A7-855D-CAA2D2E848B6}" type="datetimeFigureOut">
               <a:rPr lang="de-DE" smtClean="0"/>
-              <a:t>15.07.2021</a:t>
+              <a:t>20.07.2021</a:t>
             </a:fld>
             <a:endParaRPr lang="de-DE"/>
           </a:p>
@@ -4434,7 +4434,7 @@
           <a:p>
             <a:fld id="{D4AD37E9-5A10-49A7-855D-CAA2D2E848B6}" type="datetimeFigureOut">
               <a:rPr lang="de-DE" smtClean="0"/>
-              <a:t>15.07.2021</a:t>
+              <a:t>20.07.2021</a:t>
             </a:fld>
             <a:endParaRPr lang="de-DE"/>
           </a:p>
@@ -4666,7 +4666,7 @@
           <a:p>
             <a:fld id="{D4AD37E9-5A10-49A7-855D-CAA2D2E848B6}" type="datetimeFigureOut">
               <a:rPr lang="de-DE" smtClean="0"/>
-              <a:t>15.07.2021</a:t>
+              <a:t>20.07.2021</a:t>
             </a:fld>
             <a:endParaRPr lang="de-DE"/>
           </a:p>
@@ -5059,7 +5059,7 @@
           <a:p>
             <a:fld id="{D4AD37E9-5A10-49A7-855D-CAA2D2E848B6}" type="datetimeFigureOut">
               <a:rPr lang="de-DE" smtClean="0"/>
-              <a:t>15.07.2021</a:t>
+              <a:t>20.07.2021</a:t>
             </a:fld>
             <a:endParaRPr lang="de-DE"/>
           </a:p>
@@ -5177,7 +5177,7 @@
           <a:p>
             <a:fld id="{D4AD37E9-5A10-49A7-855D-CAA2D2E848B6}" type="datetimeFigureOut">
               <a:rPr lang="de-DE" smtClean="0"/>
-              <a:t>15.07.2021</a:t>
+              <a:t>20.07.2021</a:t>
             </a:fld>
             <a:endParaRPr lang="de-DE"/>
           </a:p>
@@ -5272,7 +5272,7 @@
           <a:p>
             <a:fld id="{D4AD37E9-5A10-49A7-855D-CAA2D2E848B6}" type="datetimeFigureOut">
               <a:rPr lang="de-DE" smtClean="0"/>
-              <a:t>15.07.2021</a:t>
+              <a:t>20.07.2021</a:t>
             </a:fld>
             <a:endParaRPr lang="de-DE"/>
           </a:p>
@@ -5545,7 +5545,7 @@
           <a:p>
             <a:fld id="{D4AD37E9-5A10-49A7-855D-CAA2D2E848B6}" type="datetimeFigureOut">
               <a:rPr lang="de-DE" smtClean="0"/>
-              <a:t>15.07.2021</a:t>
+              <a:t>20.07.2021</a:t>
             </a:fld>
             <a:endParaRPr lang="de-DE"/>
           </a:p>
@@ -5826,7 +5826,7 @@
           <a:p>
             <a:fld id="{D4AD37E9-5A10-49A7-855D-CAA2D2E848B6}" type="datetimeFigureOut">
               <a:rPr lang="de-DE" smtClean="0"/>
-              <a:t>15.07.2021</a:t>
+              <a:t>20.07.2021</a:t>
             </a:fld>
             <a:endParaRPr lang="de-DE"/>
           </a:p>
@@ -6066,7 +6066,7 @@
           <a:p>
             <a:fld id="{D4AD37E9-5A10-49A7-855D-CAA2D2E848B6}" type="datetimeFigureOut">
               <a:rPr lang="de-DE" smtClean="0"/>
-              <a:t>15.07.2021</a:t>
+              <a:t>20.07.2021</a:t>
             </a:fld>
             <a:endParaRPr lang="de-DE"/>
           </a:p>
@@ -6653,16 +6653,6 @@
           <a:p>
             <a:pPr algn="ctr"/>
             <a:r>
-              <a:rPr lang="de-DE" sz="6000" dirty="0">
-                <a:solidFill>
-                  <a:schemeClr val="tx1">
-                    <a:lumMod val="95000"/>
-                  </a:schemeClr>
-                </a:solidFill>
-              </a:rPr>
-              <a:t>Einführung in </a:t>
-            </a:r>
-            <a:r>
               <a:rPr lang="de-DE" sz="6000" dirty="0" err="1">
                 <a:solidFill>
                   <a:schemeClr val="tx1">
@@ -6745,7 +6735,7 @@
           <a:p>
             <a:fld id="{D4AD37E9-5A10-49A7-855D-CAA2D2E848B6}" type="datetimeFigureOut">
               <a:rPr lang="de-DE" smtClean="0"/>
-              <a:t>15.07.2021</a:t>
+              <a:t>20.07.2021</a:t>
             </a:fld>
             <a:endParaRPr lang="de-DE" dirty="0"/>
           </a:p>
@@ -7363,7 +7353,7 @@
           <a:p>
             <a:fld id="{D4AD37E9-5A10-49A7-855D-CAA2D2E848B6}" type="datetimeFigureOut">
               <a:rPr lang="de-DE" smtClean="0"/>
-              <a:t>15.07.2021</a:t>
+              <a:t>20.07.2021</a:t>
             </a:fld>
             <a:endParaRPr lang="de-DE"/>
           </a:p>
@@ -7396,48 +7386,14 @@
           <a:lstStyle/>
           <a:p>
             <a:r>
-              <a:rPr lang="en-US" sz="1200" dirty="0">
+              <a:rPr lang="de-DE" sz="1200" dirty="0" err="1">
                 <a:solidFill>
                   <a:schemeClr val="tx1">
                     <a:lumMod val="95000"/>
                   </a:schemeClr>
                 </a:solidFill>
-                <a:latin typeface="+mj-lt"/>
               </a:rPr>
-              <a:t>Das </a:t>
-            </a:r>
-            <a:r>
-              <a:rPr lang="en-US" sz="1200" dirty="0" err="1">
-                <a:solidFill>
-                  <a:schemeClr val="tx1">
-                    <a:lumMod val="95000"/>
-                  </a:schemeClr>
-                </a:solidFill>
-                <a:latin typeface="+mj-lt"/>
-              </a:rPr>
-              <a:t>wirst</a:t>
-            </a:r>
-            <a:r>
-              <a:rPr lang="en-US" sz="1200" dirty="0">
-                <a:solidFill>
-                  <a:schemeClr val="tx1">
-                    <a:lumMod val="95000"/>
-                  </a:schemeClr>
-                </a:solidFill>
-                <a:latin typeface="+mj-lt"/>
-              </a:rPr>
-              <a:t> du </a:t>
-            </a:r>
-            <a:r>
-              <a:rPr lang="en-US" sz="1200" dirty="0" err="1">
-                <a:solidFill>
-                  <a:schemeClr val="tx1">
-                    <a:lumMod val="95000"/>
-                  </a:schemeClr>
-                </a:solidFill>
-                <a:latin typeface="+mj-lt"/>
-              </a:rPr>
-              <a:t>Lernen</a:t>
+              <a:t>Unittesting</a:t>
             </a:r>
             <a:endParaRPr lang="en-US" sz="1200" dirty="0">
               <a:solidFill>
@@ -8127,7 +8083,7 @@
           <a:p>
             <a:fld id="{D4AD37E9-5A10-49A7-855D-CAA2D2E848B6}" type="datetimeFigureOut">
               <a:rPr lang="de-DE" smtClean="0"/>
-              <a:t>15.07.2021</a:t>
+              <a:t>20.07.2021</a:t>
             </a:fld>
             <a:endParaRPr lang="de-DE"/>
           </a:p>
@@ -8160,71 +8116,23 @@
           <a:lstStyle/>
           <a:p>
             <a:r>
-              <a:rPr lang="en-US" sz="1200" dirty="0" err="1">
+              <a:rPr lang="de-DE" sz="1200" dirty="0" err="1">
                 <a:solidFill>
                   <a:schemeClr val="tx1">
                     <a:lumMod val="95000"/>
                   </a:schemeClr>
                 </a:solidFill>
-                <a:latin typeface="+mj-lt"/>
               </a:rPr>
-              <a:t>Warum</a:t>
-            </a:r>
-            <a:r>
-              <a:rPr lang="en-US" sz="1200" dirty="0">
-                <a:solidFill>
-                  <a:schemeClr val="tx1">
-                    <a:lumMod val="95000"/>
-                  </a:schemeClr>
-                </a:solidFill>
-                <a:latin typeface="+mj-lt"/>
-              </a:rPr>
-              <a:t> </a:t>
-            </a:r>
-            <a:r>
-              <a:rPr lang="en-US" sz="1200" dirty="0" err="1">
-                <a:solidFill>
-                  <a:schemeClr val="tx1">
-                    <a:lumMod val="95000"/>
-                  </a:schemeClr>
-                </a:solidFill>
-                <a:latin typeface="+mj-lt"/>
-              </a:rPr>
-              <a:t>wir</a:t>
-            </a:r>
-            <a:r>
-              <a:rPr lang="en-US" sz="1200" dirty="0">
-                <a:solidFill>
-                  <a:schemeClr val="tx1">
-                    <a:lumMod val="95000"/>
-                  </a:schemeClr>
-                </a:solidFill>
-                <a:latin typeface="+mj-lt"/>
-              </a:rPr>
-              <a:t> </a:t>
-            </a:r>
-            <a:r>
-              <a:rPr lang="en-US" sz="1200" dirty="0" err="1">
-                <a:solidFill>
-                  <a:schemeClr val="tx1">
-                    <a:lumMod val="95000"/>
-                  </a:schemeClr>
-                </a:solidFill>
-                <a:latin typeface="+mj-lt"/>
-              </a:rPr>
-              <a:t>Testen</a:t>
-            </a:r>
-            <a:r>
-              <a:rPr lang="en-US" sz="1200" dirty="0">
-                <a:solidFill>
-                  <a:schemeClr val="tx1">
-                    <a:lumMod val="95000"/>
-                  </a:schemeClr>
-                </a:solidFill>
-                <a:latin typeface="+mj-lt"/>
-              </a:rPr>
-              <a:t> </a:t>
-            </a:r>
+              <a:t>Unittesting</a:t>
+            </a:r>
+            <a:endParaRPr lang="en-US" sz="1200" dirty="0">
+              <a:solidFill>
+                <a:schemeClr val="tx1">
+                  <a:lumMod val="95000"/>
+                </a:schemeClr>
+              </a:solidFill>
+              <a:latin typeface="+mj-lt"/>
+            </a:endParaRPr>
           </a:p>
         </p:txBody>
       </p:sp>
@@ -8808,7 +8716,7 @@
           <a:p>
             <a:fld id="{D4AD37E9-5A10-49A7-855D-CAA2D2E848B6}" type="datetimeFigureOut">
               <a:rPr lang="de-DE" smtClean="0"/>
-              <a:t>15.07.2021</a:t>
+              <a:t>20.07.2021</a:t>
             </a:fld>
             <a:endParaRPr lang="de-DE"/>
           </a:p>
@@ -8841,16 +8749,6 @@
           <a:lstStyle/>
           <a:p>
             <a:r>
-              <a:rPr lang="de-DE" sz="1200" dirty="0">
-                <a:solidFill>
-                  <a:schemeClr val="tx1">
-                    <a:lumMod val="95000"/>
-                  </a:schemeClr>
-                </a:solidFill>
-              </a:rPr>
-              <a:t>Software </a:t>
-            </a:r>
-            <a:r>
               <a:rPr lang="de-DE" sz="1200" dirty="0" err="1">
                 <a:solidFill>
                   <a:schemeClr val="tx1">
@@ -8858,17 +8756,7 @@
                   </a:schemeClr>
                 </a:solidFill>
               </a:rPr>
-              <a:t>Testing</a:t>
-            </a:r>
-            <a:r>
-              <a:rPr lang="de-DE" sz="1200" dirty="0">
-                <a:solidFill>
-                  <a:schemeClr val="tx1">
-                    <a:lumMod val="95000"/>
-                  </a:schemeClr>
-                </a:solidFill>
-              </a:rPr>
-              <a:t> 1-2</a:t>
+              <a:t>Unittesting</a:t>
             </a:r>
             <a:endParaRPr lang="en-US" sz="1200" dirty="0">
               <a:solidFill>
@@ -9599,7 +9487,7 @@
           <a:p>
             <a:fld id="{D4AD37E9-5A10-49A7-855D-CAA2D2E848B6}" type="datetimeFigureOut">
               <a:rPr lang="de-DE" smtClean="0"/>
-              <a:t>15.07.2021</a:t>
+              <a:t>20.07.2021</a:t>
             </a:fld>
             <a:endParaRPr lang="de-DE"/>
           </a:p>
@@ -9632,16 +9520,6 @@
           <a:lstStyle/>
           <a:p>
             <a:r>
-              <a:rPr lang="de-DE" sz="1200" dirty="0">
-                <a:solidFill>
-                  <a:schemeClr val="tx1">
-                    <a:lumMod val="95000"/>
-                  </a:schemeClr>
-                </a:solidFill>
-              </a:rPr>
-              <a:t>Software </a:t>
-            </a:r>
-            <a:r>
               <a:rPr lang="de-DE" sz="1200" dirty="0" err="1">
                 <a:solidFill>
                   <a:schemeClr val="tx1">
@@ -9649,17 +9527,7 @@
                   </a:schemeClr>
                 </a:solidFill>
               </a:rPr>
-              <a:t>Testing</a:t>
-            </a:r>
-            <a:r>
-              <a:rPr lang="de-DE" sz="1200" dirty="0">
-                <a:solidFill>
-                  <a:schemeClr val="tx1">
-                    <a:lumMod val="95000"/>
-                  </a:schemeClr>
-                </a:solidFill>
-              </a:rPr>
-              <a:t> 2-2</a:t>
+              <a:t>Unittesting</a:t>
             </a:r>
             <a:endParaRPr lang="en-US" sz="1200" dirty="0">
               <a:solidFill>
@@ -10410,7 +10278,7 @@
           <a:p>
             <a:fld id="{D4AD37E9-5A10-49A7-855D-CAA2D2E848B6}" type="datetimeFigureOut">
               <a:rPr lang="de-DE" smtClean="0"/>
-              <a:t>15.07.2021</a:t>
+              <a:t>20.07.2021</a:t>
             </a:fld>
             <a:endParaRPr lang="de-DE"/>
           </a:p>
@@ -10443,16 +10311,6 @@
           <a:lstStyle/>
           <a:p>
             <a:r>
-              <a:rPr lang="de-DE" sz="1200" dirty="0">
-                <a:solidFill>
-                  <a:schemeClr val="tx1">
-                    <a:lumMod val="95000"/>
-                  </a:schemeClr>
-                </a:solidFill>
-              </a:rPr>
-              <a:t>Software </a:t>
-            </a:r>
-            <a:r>
               <a:rPr lang="de-DE" sz="1200" dirty="0" err="1">
                 <a:solidFill>
                   <a:schemeClr val="tx1">
@@ -10460,7 +10318,7 @@
                   </a:schemeClr>
                 </a:solidFill>
               </a:rPr>
-              <a:t>Testing</a:t>
+              <a:t>Unittesting</a:t>
             </a:r>
             <a:endParaRPr lang="en-US" sz="1200" dirty="0">
               <a:solidFill>
@@ -11262,7 +11120,7 @@
           <a:p>
             <a:fld id="{D4AD37E9-5A10-49A7-855D-CAA2D2E848B6}" type="datetimeFigureOut">
               <a:rPr lang="de-DE" smtClean="0"/>
-              <a:t>15.07.2021</a:t>
+              <a:t>20.07.2021</a:t>
             </a:fld>
             <a:endParaRPr lang="de-DE"/>
           </a:p>
@@ -11295,16 +11153,6 @@
           <a:lstStyle/>
           <a:p>
             <a:r>
-              <a:rPr lang="de-DE" sz="1200" dirty="0">
-                <a:solidFill>
-                  <a:schemeClr val="tx1">
-                    <a:lumMod val="95000"/>
-                  </a:schemeClr>
-                </a:solidFill>
-              </a:rPr>
-              <a:t>Software </a:t>
-            </a:r>
-            <a:r>
               <a:rPr lang="de-DE" sz="1200" dirty="0" err="1">
                 <a:solidFill>
                   <a:schemeClr val="tx1">
@@ -11312,7 +11160,7 @@
                   </a:schemeClr>
                 </a:solidFill>
               </a:rPr>
-              <a:t>Testing</a:t>
+              <a:t>Unittesting</a:t>
             </a:r>
             <a:endParaRPr lang="en-US" sz="1200" dirty="0">
               <a:solidFill>
@@ -11985,7 +11833,7 @@
           <a:p>
             <a:fld id="{D4AD37E9-5A10-49A7-855D-CAA2D2E848B6}" type="datetimeFigureOut">
               <a:rPr lang="de-DE" smtClean="0"/>
-              <a:t>15.07.2021</a:t>
+              <a:t>20.07.2021</a:t>
             </a:fld>
             <a:endParaRPr lang="de-DE"/>
           </a:p>
@@ -12018,16 +11866,6 @@
           <a:lstStyle/>
           <a:p>
             <a:r>
-              <a:rPr lang="de-DE" sz="1200" dirty="0">
-                <a:solidFill>
-                  <a:schemeClr val="tx1">
-                    <a:lumMod val="95000"/>
-                  </a:schemeClr>
-                </a:solidFill>
-              </a:rPr>
-              <a:t>Software </a:t>
-            </a:r>
-            <a:r>
               <a:rPr lang="de-DE" sz="1200" dirty="0" err="1">
                 <a:solidFill>
                   <a:schemeClr val="tx1">
@@ -12035,7 +11873,7 @@
                   </a:schemeClr>
                 </a:solidFill>
               </a:rPr>
-              <a:t>Testing</a:t>
+              <a:t>Unittesting</a:t>
             </a:r>
             <a:endParaRPr lang="en-US" sz="1200" dirty="0">
               <a:solidFill>
